--- a/Ec2 continu and SNS.pptx
+++ b/Ec2 continu and SNS.pptx
@@ -25,6 +25,9 @@
     <p:sldId id="274" r:id="rId19"/>
     <p:sldId id="275" r:id="rId20"/>
     <p:sldId id="276" r:id="rId21"/>
+    <p:sldId id="277" r:id="rId22"/>
+    <p:sldId id="278" r:id="rId23"/>
+    <p:sldId id="279" r:id="rId24"/>
   </p:sldIdLst>
   <p:sldSz cx="12192000" cy="6858000"/>
   <p:notesSz cx="6858000" cy="9144000"/>
@@ -160,6 +163,9 @@
             <p14:sldId id="274"/>
             <p14:sldId id="275"/>
             <p14:sldId id="276"/>
+            <p14:sldId id="277"/>
+            <p14:sldId id="278"/>
+            <p14:sldId id="279"/>
           </p14:sldIdLst>
         </p14:section>
       </p14:sectionLst>
@@ -320,7 +326,7 @@
           <a:p>
             <a:fld id="{7DD1A13F-1E0A-4D2B-8E09-4AD514492786}" type="datetimeFigureOut">
               <a:rPr lang="en-IN" smtClean="0"/>
-              <a:t>11-02-2025</a:t>
+              <a:t>13-02-2025</a:t>
             </a:fld>
             <a:endParaRPr lang="en-IN"/>
           </a:p>
@@ -520,7 +526,7 @@
           <a:p>
             <a:fld id="{7DD1A13F-1E0A-4D2B-8E09-4AD514492786}" type="datetimeFigureOut">
               <a:rPr lang="en-IN" smtClean="0"/>
-              <a:t>11-02-2025</a:t>
+              <a:t>13-02-2025</a:t>
             </a:fld>
             <a:endParaRPr lang="en-IN"/>
           </a:p>
@@ -730,7 +736,7 @@
           <a:p>
             <a:fld id="{7DD1A13F-1E0A-4D2B-8E09-4AD514492786}" type="datetimeFigureOut">
               <a:rPr lang="en-IN" smtClean="0"/>
-              <a:t>11-02-2025</a:t>
+              <a:t>13-02-2025</a:t>
             </a:fld>
             <a:endParaRPr lang="en-IN"/>
           </a:p>
@@ -930,7 +936,7 @@
           <a:p>
             <a:fld id="{7DD1A13F-1E0A-4D2B-8E09-4AD514492786}" type="datetimeFigureOut">
               <a:rPr lang="en-IN" smtClean="0"/>
-              <a:t>11-02-2025</a:t>
+              <a:t>13-02-2025</a:t>
             </a:fld>
             <a:endParaRPr lang="en-IN"/>
           </a:p>
@@ -1206,7 +1212,7 @@
           <a:p>
             <a:fld id="{7DD1A13F-1E0A-4D2B-8E09-4AD514492786}" type="datetimeFigureOut">
               <a:rPr lang="en-IN" smtClean="0"/>
-              <a:t>11-02-2025</a:t>
+              <a:t>13-02-2025</a:t>
             </a:fld>
             <a:endParaRPr lang="en-IN"/>
           </a:p>
@@ -1474,7 +1480,7 @@
           <a:p>
             <a:fld id="{7DD1A13F-1E0A-4D2B-8E09-4AD514492786}" type="datetimeFigureOut">
               <a:rPr lang="en-IN" smtClean="0"/>
-              <a:t>11-02-2025</a:t>
+              <a:t>13-02-2025</a:t>
             </a:fld>
             <a:endParaRPr lang="en-IN"/>
           </a:p>
@@ -1889,7 +1895,7 @@
           <a:p>
             <a:fld id="{7DD1A13F-1E0A-4D2B-8E09-4AD514492786}" type="datetimeFigureOut">
               <a:rPr lang="en-IN" smtClean="0"/>
-              <a:t>11-02-2025</a:t>
+              <a:t>13-02-2025</a:t>
             </a:fld>
             <a:endParaRPr lang="en-IN"/>
           </a:p>
@@ -2031,7 +2037,7 @@
           <a:p>
             <a:fld id="{7DD1A13F-1E0A-4D2B-8E09-4AD514492786}" type="datetimeFigureOut">
               <a:rPr lang="en-IN" smtClean="0"/>
-              <a:t>11-02-2025</a:t>
+              <a:t>13-02-2025</a:t>
             </a:fld>
             <a:endParaRPr lang="en-IN"/>
           </a:p>
@@ -2144,7 +2150,7 @@
           <a:p>
             <a:fld id="{7DD1A13F-1E0A-4D2B-8E09-4AD514492786}" type="datetimeFigureOut">
               <a:rPr lang="en-IN" smtClean="0"/>
-              <a:t>11-02-2025</a:t>
+              <a:t>13-02-2025</a:t>
             </a:fld>
             <a:endParaRPr lang="en-IN"/>
           </a:p>
@@ -2457,7 +2463,7 @@
           <a:p>
             <a:fld id="{7DD1A13F-1E0A-4D2B-8E09-4AD514492786}" type="datetimeFigureOut">
               <a:rPr lang="en-IN" smtClean="0"/>
-              <a:t>11-02-2025</a:t>
+              <a:t>13-02-2025</a:t>
             </a:fld>
             <a:endParaRPr lang="en-IN"/>
           </a:p>
@@ -2746,7 +2752,7 @@
           <a:p>
             <a:fld id="{7DD1A13F-1E0A-4D2B-8E09-4AD514492786}" type="datetimeFigureOut">
               <a:rPr lang="en-IN" smtClean="0"/>
-              <a:t>11-02-2025</a:t>
+              <a:t>13-02-2025</a:t>
             </a:fld>
             <a:endParaRPr lang="en-IN"/>
           </a:p>
@@ -2989,7 +2995,7 @@
           <a:p>
             <a:fld id="{7DD1A13F-1E0A-4D2B-8E09-4AD514492786}" type="datetimeFigureOut">
               <a:rPr lang="en-IN" smtClean="0"/>
-              <a:t>11-02-2025</a:t>
+              <a:t>13-02-2025</a:t>
             </a:fld>
             <a:endParaRPr lang="en-IN"/>
           </a:p>
@@ -7724,6 +7730,1000 @@
     <p:extLst>
       <p:ext uri="{BB962C8B-B14F-4D97-AF65-F5344CB8AC3E}">
         <p14:creationId xmlns:p14="http://schemas.microsoft.com/office/powerpoint/2010/main" val="2769299264"/>
+      </p:ext>
+    </p:extLst>
+  </p:cSld>
+  <p:clrMapOvr>
+    <a:masterClrMapping/>
+  </p:clrMapOvr>
+</p:sld>
+</file>
+
+<file path=ppt/slides/slide21.xml><?xml version="1.0" encoding="utf-8"?>
+<p:sld xmlns:a="http://schemas.openxmlformats.org/drawingml/2006/main" xmlns:r="http://schemas.openxmlformats.org/officeDocument/2006/relationships" xmlns:p="http://schemas.openxmlformats.org/presentationml/2006/main">
+  <p:cSld>
+    <p:bg>
+      <p:bgPr>
+        <a:solidFill>
+          <a:schemeClr val="bg1"/>
+        </a:solidFill>
+        <a:effectLst/>
+      </p:bgPr>
+    </p:bg>
+    <p:spTree>
+      <p:nvGrpSpPr>
+        <p:cNvPr id="1" name=""/>
+        <p:cNvGrpSpPr/>
+        <p:nvPr/>
+      </p:nvGrpSpPr>
+      <p:grpSpPr>
+        <a:xfrm>
+          <a:off x="0" y="0"/>
+          <a:ext cx="0" cy="0"/>
+          <a:chOff x="0" y="0"/>
+          <a:chExt cx="0" cy="0"/>
+        </a:xfrm>
+      </p:grpSpPr>
+      <p:sp useBgFill="1">
+        <p:nvSpPr>
+          <p:cNvPr id="1031" name="Rectangle 1030">
+            <a:extLst>
+              <a:ext uri="{FF2B5EF4-FFF2-40B4-BE49-F238E27FC236}">
+                <a16:creationId xmlns:a16="http://schemas.microsoft.com/office/drawing/2014/main" id="{3346177D-ADC4-4968-B747-5CFCD390B5B9}"/>
+              </a:ext>
+              <a:ext uri="{C183D7F6-B498-43B3-948B-1728B52AA6E4}">
+                <adec:decorative xmlns:adec="http://schemas.microsoft.com/office/drawing/2017/decorative" val="1"/>
+              </a:ext>
+            </a:extLst>
+          </p:cNvPr>
+          <p:cNvSpPr>
+            <a:spLocks noGrp="1" noRot="1" noChangeAspect="1" noMove="1" noResize="1" noEditPoints="1" noAdjustHandles="1" noChangeArrowheads="1" noChangeShapeType="1" noTextEdit="1"/>
+          </p:cNvSpPr>
+          <p:nvPr>
+            <p:extLst>
+              <p:ext uri="{386F3935-93C4-4BCD-93E2-E3B085C9AB24}">
+                <p16:designElem xmlns:p16="http://schemas.microsoft.com/office/powerpoint/2015/main" val="1"/>
+              </p:ext>
+            </p:extLst>
+          </p:nvPr>
+        </p:nvSpPr>
+        <p:spPr>
+          <a:xfrm>
+            <a:off x="0" y="0"/>
+            <a:ext cx="12192000" cy="6858000"/>
+          </a:xfrm>
+          <a:prstGeom prst="rect">
+            <a:avLst/>
+          </a:prstGeom>
+          <a:ln w="12700" cap="flat" cmpd="sng" algn="ctr">
+            <a:noFill/>
+            <a:prstDash val="solid"/>
+            <a:miter lim="800000"/>
+          </a:ln>
+          <a:effectLst/>
+          <a:extLst>
+            <a:ext uri="{91240B29-F687-4F45-9708-019B960494DF}">
+              <a14:hiddenLine xmlns:a14="http://schemas.microsoft.com/office/drawing/2010/main" w="12700" cap="flat" cmpd="sng" algn="ctr">
+                <a:solidFill>
+                  <a:schemeClr val="accent1">
+                    <a:shade val="50000"/>
+                  </a:schemeClr>
+                </a:solidFill>
+                <a:prstDash val="solid"/>
+                <a:miter lim="800000"/>
+              </a14:hiddenLine>
+            </a:ext>
+          </a:extLst>
+        </p:spPr>
+        <p:style>
+          <a:lnRef idx="2">
+            <a:schemeClr val="accent1">
+              <a:shade val="50000"/>
+            </a:schemeClr>
+          </a:lnRef>
+          <a:fillRef idx="1">
+            <a:schemeClr val="accent1"/>
+          </a:fillRef>
+          <a:effectRef idx="0">
+            <a:schemeClr val="accent1"/>
+          </a:effectRef>
+          <a:fontRef idx="minor">
+            <a:schemeClr val="lt1"/>
+          </a:fontRef>
+        </p:style>
+        <p:txBody>
+          <a:bodyPr rtlCol="0" anchor="ctr"/>
+          <a:lstStyle/>
+          <a:p>
+            <a:pPr algn="ctr"/>
+            <a:endParaRPr lang="en-US"/>
+          </a:p>
+        </p:txBody>
+      </p:sp>
+      <p:pic>
+        <p:nvPicPr>
+          <p:cNvPr id="1026" name="Picture 2" descr="Amazon Elastic File System (EFS)">
+            <a:extLst>
+              <a:ext uri="{FF2B5EF4-FFF2-40B4-BE49-F238E27FC236}">
+                <a16:creationId xmlns:a16="http://schemas.microsoft.com/office/drawing/2014/main" id="{AA566432-905B-D082-EA91-929BBA668803}"/>
+              </a:ext>
+            </a:extLst>
+          </p:cNvPr>
+          <p:cNvPicPr>
+            <a:picLocks noChangeAspect="1" noChangeArrowheads="1"/>
+          </p:cNvPicPr>
+          <p:nvPr/>
+        </p:nvPicPr>
+        <p:blipFill>
+          <a:blip r:embed="rId2">
+            <a:extLst>
+              <a:ext uri="{28A0092B-C50C-407E-A947-70E740481C1C}">
+                <a14:useLocalDpi xmlns:a14="http://schemas.microsoft.com/office/drawing/2010/main" val="0"/>
+              </a:ext>
+            </a:extLst>
+          </a:blip>
+          <a:stretch>
+            <a:fillRect/>
+          </a:stretch>
+        </p:blipFill>
+        <p:spPr bwMode="auto">
+          <a:xfrm>
+            <a:off x="1021236" y="1320019"/>
+            <a:ext cx="3622851" cy="3491110"/>
+          </a:xfrm>
+          <a:prstGeom prst="rect">
+            <a:avLst/>
+          </a:prstGeom>
+          <a:noFill/>
+          <a:extLst>
+            <a:ext uri="{909E8E84-426E-40DD-AFC4-6F175D3DCCD1}">
+              <a14:hiddenFill xmlns:a14="http://schemas.microsoft.com/office/drawing/2010/main">
+                <a:solidFill>
+                  <a:srgbClr val="FFFFFF"/>
+                </a:solidFill>
+              </a14:hiddenFill>
+            </a:ext>
+          </a:extLst>
+        </p:spPr>
+      </p:pic>
+      <p:sp>
+        <p:nvSpPr>
+          <p:cNvPr id="3" name="TextBox 2">
+            <a:extLst>
+              <a:ext uri="{FF2B5EF4-FFF2-40B4-BE49-F238E27FC236}">
+                <a16:creationId xmlns:a16="http://schemas.microsoft.com/office/drawing/2014/main" id="{A0F0A17B-5F3F-597D-3333-0D696DD3D9C9}"/>
+              </a:ext>
+            </a:extLst>
+          </p:cNvPr>
+          <p:cNvSpPr txBox="1"/>
+          <p:nvPr/>
+        </p:nvSpPr>
+        <p:spPr>
+          <a:xfrm>
+            <a:off x="4957717" y="739885"/>
+            <a:ext cx="6315164" cy="4921029"/>
+          </a:xfrm>
+          <a:prstGeom prst="rect">
+            <a:avLst/>
+          </a:prstGeom>
+        </p:spPr>
+        <p:txBody>
+          <a:bodyPr vert="horz" lIns="91440" tIns="45720" rIns="91440" bIns="45720" rtlCol="0" anchor="t">
+            <a:noAutofit/>
+          </a:bodyPr>
+          <a:lstStyle/>
+          <a:p>
+            <a:pPr>
+              <a:lnSpc>
+                <a:spcPct val="150000"/>
+              </a:lnSpc>
+              <a:spcAft>
+                <a:spcPts val="600"/>
+              </a:spcAft>
+            </a:pPr>
+            <a:r>
+              <a:rPr lang="en-US" sz="2000" b="1" dirty="0"/>
+              <a:t>NFS Command in Linux (Network File System):</a:t>
+            </a:r>
+          </a:p>
+          <a:p>
+            <a:pPr lvl="1">
+              <a:lnSpc>
+                <a:spcPct val="150000"/>
+              </a:lnSpc>
+              <a:spcAft>
+                <a:spcPts val="600"/>
+              </a:spcAft>
+            </a:pPr>
+            <a:r>
+              <a:rPr lang="en-US" sz="2000" dirty="0"/>
+              <a:t>It is used to mount and manage remote file systems over a network. It allows multiple machines to access the same file system as if it were a local disk.</a:t>
+            </a:r>
+          </a:p>
+          <a:p>
+            <a:pPr>
+              <a:lnSpc>
+                <a:spcPct val="150000"/>
+              </a:lnSpc>
+              <a:spcAft>
+                <a:spcPts val="600"/>
+              </a:spcAft>
+            </a:pPr>
+            <a:endParaRPr lang="en-US" sz="2000" dirty="0"/>
+          </a:p>
+          <a:p>
+            <a:pPr>
+              <a:lnSpc>
+                <a:spcPct val="150000"/>
+              </a:lnSpc>
+              <a:spcAft>
+                <a:spcPts val="600"/>
+              </a:spcAft>
+            </a:pPr>
+            <a:r>
+              <a:rPr lang="en-US" sz="2000" b="1" i="0" dirty="0">
+                <a:effectLst/>
+              </a:rPr>
+              <a:t>Amazon Elastic File System (EFS):</a:t>
+            </a:r>
+          </a:p>
+          <a:p>
+            <a:pPr lvl="1">
+              <a:lnSpc>
+                <a:spcPct val="150000"/>
+              </a:lnSpc>
+              <a:spcAft>
+                <a:spcPts val="600"/>
+              </a:spcAft>
+            </a:pPr>
+            <a:r>
+              <a:rPr lang="en-US" sz="2000" dirty="0"/>
+              <a:t>It</a:t>
+            </a:r>
+            <a:r>
+              <a:rPr lang="en-US" sz="2000" b="1" i="0" dirty="0">
+                <a:effectLst/>
+              </a:rPr>
+              <a:t> </a:t>
+            </a:r>
+            <a:r>
+              <a:rPr lang="en-US" sz="2000" b="0" i="0" dirty="0">
+                <a:effectLst/>
+              </a:rPr>
+              <a:t>is a scalable, cloud-based file storage service provided by AWS. </a:t>
+            </a:r>
+          </a:p>
+          <a:p>
+            <a:pPr>
+              <a:lnSpc>
+                <a:spcPct val="150000"/>
+              </a:lnSpc>
+              <a:spcAft>
+                <a:spcPts val="600"/>
+              </a:spcAft>
+            </a:pPr>
+            <a:endParaRPr lang="en-US" sz="2000" dirty="0"/>
+          </a:p>
+          <a:p>
+            <a:pPr>
+              <a:lnSpc>
+                <a:spcPct val="150000"/>
+              </a:lnSpc>
+              <a:spcAft>
+                <a:spcPts val="600"/>
+              </a:spcAft>
+            </a:pPr>
+            <a:endParaRPr lang="en-US" sz="2000" dirty="0"/>
+          </a:p>
+        </p:txBody>
+      </p:sp>
+      <p:sp>
+        <p:nvSpPr>
+          <p:cNvPr id="1033" name="Rectangle 1032">
+            <a:extLst>
+              <a:ext uri="{FF2B5EF4-FFF2-40B4-BE49-F238E27FC236}">
+                <a16:creationId xmlns:a16="http://schemas.microsoft.com/office/drawing/2014/main" id="{0844A943-BF79-4FEA-ABB1-3BD54D236606}"/>
+              </a:ext>
+              <a:ext uri="{C183D7F6-B498-43B3-948B-1728B52AA6E4}">
+                <adec:decorative xmlns:adec="http://schemas.microsoft.com/office/drawing/2017/decorative" val="1"/>
+              </a:ext>
+            </a:extLst>
+          </p:cNvPr>
+          <p:cNvSpPr>
+            <a:spLocks noGrp="1" noRot="1" noChangeAspect="1" noMove="1" noResize="1" noEditPoints="1" noAdjustHandles="1" noChangeArrowheads="1" noChangeShapeType="1" noTextEdit="1"/>
+          </p:cNvSpPr>
+          <p:nvPr>
+            <p:extLst>
+              <p:ext uri="{386F3935-93C4-4BCD-93E2-E3B085C9AB24}">
+                <p16:designElem xmlns:p16="http://schemas.microsoft.com/office/powerpoint/2015/main" val="1"/>
+              </p:ext>
+            </p:extLst>
+          </p:nvPr>
+        </p:nvSpPr>
+        <p:spPr>
+          <a:xfrm rot="10800000" flipH="1">
+            <a:off x="0" y="6400799"/>
+            <a:ext cx="12192000" cy="456773"/>
+          </a:xfrm>
+          <a:prstGeom prst="rect">
+            <a:avLst/>
+          </a:prstGeom>
+          <a:gradFill>
+            <a:gsLst>
+              <a:gs pos="0">
+                <a:schemeClr val="accent1"/>
+              </a:gs>
+              <a:gs pos="90000">
+                <a:srgbClr val="000000"/>
+              </a:gs>
+            </a:gsLst>
+            <a:lin ang="2400000" scaled="0"/>
+          </a:gradFill>
+          <a:ln>
+            <a:noFill/>
+          </a:ln>
+        </p:spPr>
+        <p:style>
+          <a:lnRef idx="2">
+            <a:schemeClr val="accent1">
+              <a:shade val="50000"/>
+            </a:schemeClr>
+          </a:lnRef>
+          <a:fillRef idx="1">
+            <a:schemeClr val="accent1"/>
+          </a:fillRef>
+          <a:effectRef idx="0">
+            <a:schemeClr val="accent1"/>
+          </a:effectRef>
+          <a:fontRef idx="minor">
+            <a:schemeClr val="lt1"/>
+          </a:fontRef>
+        </p:style>
+        <p:txBody>
+          <a:bodyPr rtlCol="0" anchor="ctr"/>
+          <a:lstStyle/>
+          <a:p>
+            <a:pPr algn="ctr"/>
+            <a:endParaRPr lang="en-US"/>
+          </a:p>
+        </p:txBody>
+      </p:sp>
+      <p:sp>
+        <p:nvSpPr>
+          <p:cNvPr id="1035" name="Rectangle 1034">
+            <a:extLst>
+              <a:ext uri="{FF2B5EF4-FFF2-40B4-BE49-F238E27FC236}">
+                <a16:creationId xmlns:a16="http://schemas.microsoft.com/office/drawing/2014/main" id="{6437CC72-F4A8-4DC3-AFAB-D22C482C8100}"/>
+              </a:ext>
+              <a:ext uri="{C183D7F6-B498-43B3-948B-1728B52AA6E4}">
+                <adec:decorative xmlns:adec="http://schemas.microsoft.com/office/drawing/2017/decorative" val="1"/>
+              </a:ext>
+            </a:extLst>
+          </p:cNvPr>
+          <p:cNvSpPr>
+            <a:spLocks noGrp="1" noRot="1" noChangeAspect="1" noMove="1" noResize="1" noEditPoints="1" noAdjustHandles="1" noChangeArrowheads="1" noChangeShapeType="1" noTextEdit="1"/>
+          </p:cNvSpPr>
+          <p:nvPr>
+            <p:extLst>
+              <p:ext uri="{386F3935-93C4-4BCD-93E2-E3B085C9AB24}">
+                <p16:designElem xmlns:p16="http://schemas.microsoft.com/office/powerpoint/2015/main" val="1"/>
+              </p:ext>
+            </p:extLst>
+          </p:nvPr>
+        </p:nvSpPr>
+        <p:spPr>
+          <a:xfrm flipH="1">
+            <a:off x="4038600" y="6400799"/>
+            <a:ext cx="8153398" cy="456772"/>
+          </a:xfrm>
+          <a:prstGeom prst="rect">
+            <a:avLst/>
+          </a:prstGeom>
+          <a:gradFill>
+            <a:gsLst>
+              <a:gs pos="0">
+                <a:srgbClr val="000000">
+                  <a:alpha val="50000"/>
+                </a:srgbClr>
+              </a:gs>
+              <a:gs pos="100000">
+                <a:schemeClr val="accent1">
+                  <a:lumMod val="75000"/>
+                </a:schemeClr>
+              </a:gs>
+            </a:gsLst>
+            <a:lin ang="13800000" scaled="0"/>
+          </a:gradFill>
+          <a:ln>
+            <a:noFill/>
+          </a:ln>
+        </p:spPr>
+        <p:style>
+          <a:lnRef idx="2">
+            <a:schemeClr val="accent1">
+              <a:shade val="50000"/>
+            </a:schemeClr>
+          </a:lnRef>
+          <a:fillRef idx="1">
+            <a:schemeClr val="accent1"/>
+          </a:fillRef>
+          <a:effectRef idx="0">
+            <a:schemeClr val="accent1"/>
+          </a:effectRef>
+          <a:fontRef idx="minor">
+            <a:schemeClr val="lt1"/>
+          </a:fontRef>
+        </p:style>
+        <p:txBody>
+          <a:bodyPr rtlCol="0" anchor="ctr"/>
+          <a:lstStyle/>
+          <a:p>
+            <a:pPr algn="ctr"/>
+            <a:endParaRPr lang="en-US"/>
+          </a:p>
+        </p:txBody>
+      </p:sp>
+    </p:spTree>
+    <p:extLst>
+      <p:ext uri="{BB962C8B-B14F-4D97-AF65-F5344CB8AC3E}">
+        <p14:creationId xmlns:p14="http://schemas.microsoft.com/office/powerpoint/2010/main" val="3995261851"/>
+      </p:ext>
+    </p:extLst>
+  </p:cSld>
+  <p:clrMapOvr>
+    <a:masterClrMapping/>
+  </p:clrMapOvr>
+</p:sld>
+</file>
+
+<file path=ppt/slides/slide22.xml><?xml version="1.0" encoding="utf-8"?>
+<p:sld xmlns:a="http://schemas.openxmlformats.org/drawingml/2006/main" xmlns:r="http://schemas.openxmlformats.org/officeDocument/2006/relationships" xmlns:p="http://schemas.openxmlformats.org/presentationml/2006/main">
+  <p:cSld>
+    <p:spTree>
+      <p:nvGrpSpPr>
+        <p:cNvPr id="1" name=""/>
+        <p:cNvGrpSpPr/>
+        <p:nvPr/>
+      </p:nvGrpSpPr>
+      <p:grpSpPr>
+        <a:xfrm>
+          <a:off x="0" y="0"/>
+          <a:ext cx="0" cy="0"/>
+          <a:chOff x="0" y="0"/>
+          <a:chExt cx="0" cy="0"/>
+        </a:xfrm>
+      </p:grpSpPr>
+      <p:sp>
+        <p:nvSpPr>
+          <p:cNvPr id="3" name="TextBox 2">
+            <a:extLst>
+              <a:ext uri="{FF2B5EF4-FFF2-40B4-BE49-F238E27FC236}">
+                <a16:creationId xmlns:a16="http://schemas.microsoft.com/office/drawing/2014/main" id="{5A08EE01-0D3A-72E2-D4A9-C85C784DEA4D}"/>
+              </a:ext>
+            </a:extLst>
+          </p:cNvPr>
+          <p:cNvSpPr txBox="1"/>
+          <p:nvPr/>
+        </p:nvSpPr>
+        <p:spPr>
+          <a:xfrm>
+            <a:off x="762000" y="382362"/>
+            <a:ext cx="10480431" cy="5820632"/>
+          </a:xfrm>
+          <a:prstGeom prst="rect">
+            <a:avLst/>
+          </a:prstGeom>
+          <a:noFill/>
+        </p:spPr>
+        <p:txBody>
+          <a:bodyPr wrap="square">
+            <a:spAutoFit/>
+          </a:bodyPr>
+          <a:lstStyle/>
+          <a:p>
+            <a:pPr>
+              <a:lnSpc>
+                <a:spcPct val="150000"/>
+              </a:lnSpc>
+              <a:spcAft>
+                <a:spcPts val="1800"/>
+              </a:spcAft>
+            </a:pPr>
+            <a:r>
+              <a:rPr lang="en-US" sz="2200" b="1" dirty="0">
+                <a:latin typeface="Abadi" panose="020B0604020104020204" pitchFamily="34" charset="0"/>
+              </a:rPr>
+              <a:t>Features of EFs:</a:t>
+            </a:r>
+            <a:endParaRPr lang="en-US" sz="2200" dirty="0">
+              <a:latin typeface="Abadi" panose="020B0604020104020204" pitchFamily="34" charset="0"/>
+            </a:endParaRPr>
+          </a:p>
+          <a:p>
+            <a:pPr>
+              <a:lnSpc>
+                <a:spcPct val="150000"/>
+              </a:lnSpc>
+            </a:pPr>
+            <a:r>
+              <a:rPr lang="en-US" dirty="0"/>
+              <a:t>✅ </a:t>
+            </a:r>
+            <a:r>
+              <a:rPr lang="en-US" b="1" dirty="0"/>
+              <a:t>Scalability:</a:t>
+            </a:r>
+            <a:r>
+              <a:rPr lang="en-US" dirty="0"/>
+              <a:t> Automatically scales storage capacity up or down as you add or remove files. 📈📉</a:t>
+            </a:r>
+          </a:p>
+          <a:p>
+            <a:pPr>
+              <a:lnSpc>
+                <a:spcPct val="150000"/>
+              </a:lnSpc>
+              <a:spcAft>
+                <a:spcPts val="1200"/>
+              </a:spcAft>
+            </a:pPr>
+            <a:r>
+              <a:rPr lang="en-US" dirty="0"/>
+              <a:t>✅ </a:t>
+            </a:r>
+            <a:r>
+              <a:rPr lang="en-US" b="1" dirty="0"/>
+              <a:t>Shared Storage:</a:t>
+            </a:r>
+            <a:r>
+              <a:rPr lang="en-US" dirty="0"/>
+              <a:t> Multiple EC2 instances can access the same file system simultaneously. 🤝</a:t>
+            </a:r>
+          </a:p>
+          <a:p>
+            <a:pPr>
+              <a:lnSpc>
+                <a:spcPct val="150000"/>
+              </a:lnSpc>
+            </a:pPr>
+            <a:r>
+              <a:rPr lang="en-US" b="1" dirty="0"/>
+              <a:t>Performance Modes:</a:t>
+            </a:r>
+            <a:endParaRPr lang="en-US" dirty="0"/>
+          </a:p>
+          <a:p>
+            <a:pPr lvl="1">
+              <a:lnSpc>
+                <a:spcPct val="150000"/>
+              </a:lnSpc>
+            </a:pPr>
+            <a:r>
+              <a:rPr lang="en-US" dirty="0"/>
+              <a:t>✅ </a:t>
+            </a:r>
+            <a:r>
+              <a:rPr lang="en-US" b="1" dirty="0"/>
+              <a:t>General Purpose:</a:t>
+            </a:r>
+            <a:r>
+              <a:rPr lang="en-US" dirty="0"/>
+              <a:t> Ideal for latency-sensitive use cases. ⚡</a:t>
+            </a:r>
+          </a:p>
+          <a:p>
+            <a:pPr lvl="1">
+              <a:lnSpc>
+                <a:spcPct val="150000"/>
+              </a:lnSpc>
+              <a:spcAft>
+                <a:spcPts val="1200"/>
+              </a:spcAft>
+            </a:pPr>
+            <a:r>
+              <a:rPr lang="en-US" dirty="0"/>
+              <a:t>✅ </a:t>
+            </a:r>
+            <a:r>
+              <a:rPr lang="en-US" b="1" dirty="0"/>
+              <a:t>Max I/O:</a:t>
+            </a:r>
+            <a:r>
+              <a:rPr lang="en-US" dirty="0"/>
+              <a:t> Optimized for higher throughput and operations per second. 🚀</a:t>
+            </a:r>
+          </a:p>
+          <a:p>
+            <a:pPr>
+              <a:lnSpc>
+                <a:spcPct val="150000"/>
+              </a:lnSpc>
+            </a:pPr>
+            <a:r>
+              <a:rPr lang="en-US" b="1" dirty="0"/>
+              <a:t>Throughput Modes:</a:t>
+            </a:r>
+            <a:endParaRPr lang="en-US" dirty="0"/>
+          </a:p>
+          <a:p>
+            <a:pPr lvl="1">
+              <a:lnSpc>
+                <a:spcPct val="150000"/>
+              </a:lnSpc>
+            </a:pPr>
+            <a:r>
+              <a:rPr lang="en-US" dirty="0"/>
+              <a:t>✅ </a:t>
+            </a:r>
+            <a:r>
+              <a:rPr lang="en-US" b="1" dirty="0"/>
+              <a:t>Bursting Throughput:</a:t>
+            </a:r>
+            <a:r>
+              <a:rPr lang="en-US" dirty="0"/>
+              <a:t> Suitable for workloads with spiky traffic. 💥</a:t>
+            </a:r>
+          </a:p>
+          <a:p>
+            <a:pPr lvl="1">
+              <a:lnSpc>
+                <a:spcPct val="150000"/>
+              </a:lnSpc>
+            </a:pPr>
+            <a:r>
+              <a:rPr lang="en-US" dirty="0"/>
+              <a:t>✅ </a:t>
+            </a:r>
+            <a:r>
+              <a:rPr lang="en-US" b="1" dirty="0"/>
+              <a:t>Provisioned Throughput:</a:t>
+            </a:r>
+            <a:r>
+              <a:rPr lang="en-US" dirty="0"/>
+              <a:t> For applications requiring consistent high throughput. 📊</a:t>
+            </a:r>
+          </a:p>
+          <a:p>
+            <a:pPr lvl="1">
+              <a:lnSpc>
+                <a:spcPct val="150000"/>
+              </a:lnSpc>
+              <a:spcAft>
+                <a:spcPts val="1200"/>
+              </a:spcAft>
+            </a:pPr>
+            <a:r>
+              <a:rPr lang="en-US" dirty="0"/>
+              <a:t>✅ </a:t>
+            </a:r>
+            <a:r>
+              <a:rPr lang="en-US" b="1" dirty="0"/>
+              <a:t>Durability and Availability:</a:t>
+            </a:r>
+            <a:r>
+              <a:rPr lang="en-US" dirty="0"/>
+              <a:t> Data is stored redundantly across multiple Availability Zones (AZs) for high durability and availability. 🛡️</a:t>
+            </a:r>
+          </a:p>
+          <a:p>
+            <a:pPr>
+              <a:lnSpc>
+                <a:spcPct val="150000"/>
+              </a:lnSpc>
+            </a:pPr>
+            <a:r>
+              <a:rPr lang="en-US" dirty="0"/>
+              <a:t>✅ </a:t>
+            </a:r>
+            <a:r>
+              <a:rPr lang="en-US" b="1" dirty="0"/>
+              <a:t>Security:</a:t>
+            </a:r>
+            <a:r>
+              <a:rPr lang="en-US" dirty="0"/>
+              <a:t> Supports encryption at rest and in transit, IAM policies, and VPC security groups. </a:t>
+            </a:r>
+          </a:p>
+        </p:txBody>
+      </p:sp>
+    </p:spTree>
+    <p:extLst>
+      <p:ext uri="{BB962C8B-B14F-4D97-AF65-F5344CB8AC3E}">
+        <p14:creationId xmlns:p14="http://schemas.microsoft.com/office/powerpoint/2010/main" val="829575623"/>
+      </p:ext>
+    </p:extLst>
+  </p:cSld>
+  <p:clrMapOvr>
+    <a:masterClrMapping/>
+  </p:clrMapOvr>
+</p:sld>
+</file>
+
+<file path=ppt/slides/slide23.xml><?xml version="1.0" encoding="utf-8"?>
+<p:sld xmlns:a="http://schemas.openxmlformats.org/drawingml/2006/main" xmlns:r="http://schemas.openxmlformats.org/officeDocument/2006/relationships" xmlns:p="http://schemas.openxmlformats.org/presentationml/2006/main">
+  <p:cSld>
+    <p:spTree>
+      <p:nvGrpSpPr>
+        <p:cNvPr id="1" name=""/>
+        <p:cNvGrpSpPr/>
+        <p:nvPr/>
+      </p:nvGrpSpPr>
+      <p:grpSpPr>
+        <a:xfrm>
+          <a:off x="0" y="0"/>
+          <a:ext cx="0" cy="0"/>
+          <a:chOff x="0" y="0"/>
+          <a:chExt cx="0" cy="0"/>
+        </a:xfrm>
+      </p:grpSpPr>
+      <p:sp>
+        <p:nvSpPr>
+          <p:cNvPr id="3" name="TextBox 2">
+            <a:extLst>
+              <a:ext uri="{FF2B5EF4-FFF2-40B4-BE49-F238E27FC236}">
+                <a16:creationId xmlns:a16="http://schemas.microsoft.com/office/drawing/2014/main" id="{FD582151-2E63-675F-7EA3-7F7BA6F4689E}"/>
+              </a:ext>
+            </a:extLst>
+          </p:cNvPr>
+          <p:cNvSpPr txBox="1"/>
+          <p:nvPr/>
+        </p:nvSpPr>
+        <p:spPr>
+          <a:xfrm>
+            <a:off x="579893" y="432236"/>
+            <a:ext cx="8714009" cy="6838860"/>
+          </a:xfrm>
+          <a:prstGeom prst="rect">
+            <a:avLst/>
+          </a:prstGeom>
+          <a:noFill/>
+        </p:spPr>
+        <p:txBody>
+          <a:bodyPr wrap="square">
+            <a:spAutoFit/>
+          </a:bodyPr>
+          <a:lstStyle/>
+          <a:p>
+            <a:pPr>
+              <a:lnSpc>
+                <a:spcPct val="150000"/>
+              </a:lnSpc>
+            </a:pPr>
+            <a:r>
+              <a:rPr lang="en-US" sz="2000" b="1" dirty="0"/>
+              <a:t>Use Cases:</a:t>
+            </a:r>
+            <a:endParaRPr lang="en-US" sz="2000" dirty="0"/>
+          </a:p>
+          <a:p>
+            <a:pPr marL="742950" lvl="1" indent="-285750">
+              <a:lnSpc>
+                <a:spcPct val="150000"/>
+              </a:lnSpc>
+              <a:buFont typeface="Arial" panose="020B0604020202020204" pitchFamily="34" charset="0"/>
+              <a:buChar char="•"/>
+            </a:pPr>
+            <a:r>
+              <a:rPr lang="en-US" b="1" dirty="0"/>
+              <a:t>Content Management:</a:t>
+            </a:r>
+            <a:r>
+              <a:rPr lang="en-US" dirty="0"/>
+              <a:t> Shared access to files for web servers. 🌐</a:t>
+            </a:r>
+          </a:p>
+          <a:p>
+            <a:pPr marL="742950" lvl="1" indent="-285750">
+              <a:lnSpc>
+                <a:spcPct val="150000"/>
+              </a:lnSpc>
+              <a:buFont typeface="Arial" panose="020B0604020202020204" pitchFamily="34" charset="0"/>
+              <a:buChar char="•"/>
+            </a:pPr>
+            <a:r>
+              <a:rPr lang="en-US" b="1" dirty="0"/>
+              <a:t>Big Data Analytics:</a:t>
+            </a:r>
+            <a:r>
+              <a:rPr lang="en-US" dirty="0"/>
+              <a:t> Centralized storage for large datasets. 📊</a:t>
+            </a:r>
+          </a:p>
+          <a:p>
+            <a:pPr marL="742950" lvl="1" indent="-285750">
+              <a:lnSpc>
+                <a:spcPct val="150000"/>
+              </a:lnSpc>
+              <a:buFont typeface="Arial" panose="020B0604020202020204" pitchFamily="34" charset="0"/>
+              <a:buChar char="•"/>
+            </a:pPr>
+            <a:r>
+              <a:rPr lang="en-US" b="1" dirty="0"/>
+              <a:t>Application Development:</a:t>
+            </a:r>
+            <a:r>
+              <a:rPr lang="en-US" dirty="0"/>
+              <a:t> Shared storage for development and testing environments. 💻</a:t>
+            </a:r>
+          </a:p>
+          <a:p>
+            <a:pPr marL="742950" lvl="1" indent="-285750">
+              <a:lnSpc>
+                <a:spcPct val="150000"/>
+              </a:lnSpc>
+              <a:buFont typeface="Arial" panose="020B0604020202020204" pitchFamily="34" charset="0"/>
+              <a:buChar char="•"/>
+            </a:pPr>
+            <a:r>
+              <a:rPr lang="en-US" b="1" dirty="0"/>
+              <a:t>Backup and Archiving:</a:t>
+            </a:r>
+            <a:r>
+              <a:rPr lang="en-US" dirty="0"/>
+              <a:t> Reliable storage for backups and long-term archiving. 💾</a:t>
+            </a:r>
+          </a:p>
+          <a:p>
+            <a:pPr>
+              <a:lnSpc>
+                <a:spcPct val="150000"/>
+              </a:lnSpc>
+            </a:pPr>
+            <a:r>
+              <a:rPr lang="en-US" sz="2000" b="1" dirty="0"/>
+              <a:t>Pricing:</a:t>
+            </a:r>
+            <a:endParaRPr lang="en-US" sz="2000" dirty="0"/>
+          </a:p>
+          <a:p>
+            <a:pPr marL="742950" lvl="1" indent="-285750">
+              <a:lnSpc>
+                <a:spcPct val="150000"/>
+              </a:lnSpc>
+              <a:buFont typeface="Arial" panose="020B0604020202020204" pitchFamily="34" charset="0"/>
+              <a:buChar char="•"/>
+            </a:pPr>
+            <a:r>
+              <a:rPr lang="en-US" dirty="0"/>
+              <a:t>Pay-as-you-go model based on the amount of data stored. 💰</a:t>
+            </a:r>
+          </a:p>
+          <a:p>
+            <a:pPr marL="742950" lvl="1" indent="-285750">
+              <a:lnSpc>
+                <a:spcPct val="150000"/>
+              </a:lnSpc>
+              <a:buFont typeface="Arial" panose="020B0604020202020204" pitchFamily="34" charset="0"/>
+              <a:buChar char="•"/>
+            </a:pPr>
+            <a:r>
+              <a:rPr lang="en-US" dirty="0"/>
+              <a:t>Additional costs for throughput modes and data transfer. 💸</a:t>
+            </a:r>
+          </a:p>
+          <a:p>
+            <a:pPr>
+              <a:lnSpc>
+                <a:spcPct val="150000"/>
+              </a:lnSpc>
+            </a:pPr>
+            <a:r>
+              <a:rPr lang="en-IN" sz="2000" b="1" dirty="0"/>
+              <a:t>Setup:</a:t>
+            </a:r>
+            <a:endParaRPr lang="en-IN" sz="2000" dirty="0"/>
+          </a:p>
+          <a:p>
+            <a:pPr lvl="1">
+              <a:lnSpc>
+                <a:spcPct val="150000"/>
+              </a:lnSpc>
+            </a:pPr>
+            <a:r>
+              <a:rPr lang="en-IN" dirty="0"/>
+              <a:t>🗂️ </a:t>
+            </a:r>
+            <a:r>
+              <a:rPr lang="en-IN" b="1" dirty="0"/>
+              <a:t>Create a File System:</a:t>
+            </a:r>
+            <a:r>
+              <a:rPr lang="en-IN" dirty="0"/>
+              <a:t> Via AWS Management Console 🖥️, CLI or SDK.</a:t>
+            </a:r>
+          </a:p>
+          <a:p>
+            <a:pPr lvl="1">
+              <a:lnSpc>
+                <a:spcPct val="150000"/>
+              </a:lnSpc>
+            </a:pPr>
+            <a:r>
+              <a:rPr lang="en-IN" dirty="0"/>
+              <a:t>🔗 </a:t>
+            </a:r>
+            <a:r>
+              <a:rPr lang="en-IN" b="1" dirty="0"/>
+              <a:t>Mount on EC2 Instances: </a:t>
+            </a:r>
+            <a:r>
+              <a:rPr lang="en-IN" dirty="0"/>
+              <a:t>Use NFS protocol to  mount the EFS file system on EC2 instances. 🚀</a:t>
+            </a:r>
+          </a:p>
+          <a:p>
+            <a:pPr marL="742950" lvl="1" indent="-285750">
+              <a:lnSpc>
+                <a:spcPct val="150000"/>
+              </a:lnSpc>
+              <a:buFont typeface="Arial" panose="020B0604020202020204" pitchFamily="34" charset="0"/>
+              <a:buChar char="•"/>
+            </a:pPr>
+            <a:endParaRPr lang="en-US" dirty="0"/>
+          </a:p>
+          <a:p>
+            <a:pPr marL="742950" lvl="1" indent="-285750">
+              <a:lnSpc>
+                <a:spcPct val="150000"/>
+              </a:lnSpc>
+              <a:buFont typeface="Arial" panose="020B0604020202020204" pitchFamily="34" charset="0"/>
+              <a:buChar char="•"/>
+            </a:pPr>
+            <a:endParaRPr lang="en-US" dirty="0"/>
+          </a:p>
+        </p:txBody>
+      </p:sp>
+      <p:pic>
+        <p:nvPicPr>
+          <p:cNvPr id="2050" name="Picture 2" descr="Amazon Elastic File System Vector Logo - Download Free SVG Icon |  Worldvectorlogo">
+            <a:extLst>
+              <a:ext uri="{FF2B5EF4-FFF2-40B4-BE49-F238E27FC236}">
+                <a16:creationId xmlns:a16="http://schemas.microsoft.com/office/drawing/2014/main" id="{0413A4D0-F009-CF21-98EE-30281D5398A1}"/>
+              </a:ext>
+            </a:extLst>
+          </p:cNvPr>
+          <p:cNvPicPr>
+            <a:picLocks noChangeAspect="1" noChangeArrowheads="1"/>
+          </p:cNvPicPr>
+          <p:nvPr/>
+        </p:nvPicPr>
+        <p:blipFill>
+          <a:blip r:embed="rId2">
+            <a:extLst>
+              <a:ext uri="{28A0092B-C50C-407E-A947-70E740481C1C}">
+                <a14:useLocalDpi xmlns:a14="http://schemas.microsoft.com/office/drawing/2010/main" val="0"/>
+              </a:ext>
+            </a:extLst>
+          </a:blip>
+          <a:srcRect/>
+          <a:stretch>
+            <a:fillRect/>
+          </a:stretch>
+        </p:blipFill>
+        <p:spPr bwMode="auto">
+          <a:xfrm>
+            <a:off x="9468982" y="2088999"/>
+            <a:ext cx="2143125" cy="2143125"/>
+          </a:xfrm>
+          <a:prstGeom prst="rect">
+            <a:avLst/>
+          </a:prstGeom>
+          <a:noFill/>
+          <a:extLst>
+            <a:ext uri="{909E8E84-426E-40DD-AFC4-6F175D3DCCD1}">
+              <a14:hiddenFill xmlns:a14="http://schemas.microsoft.com/office/drawing/2010/main">
+                <a:solidFill>
+                  <a:srgbClr val="FFFFFF"/>
+                </a:solidFill>
+              </a14:hiddenFill>
+            </a:ext>
+          </a:extLst>
+        </p:spPr>
+      </p:pic>
+    </p:spTree>
+    <p:extLst>
+      <p:ext uri="{BB962C8B-B14F-4D97-AF65-F5344CB8AC3E}">
+        <p14:creationId xmlns:p14="http://schemas.microsoft.com/office/powerpoint/2010/main" val="3418439497"/>
       </p:ext>
     </p:extLst>
   </p:cSld>
